--- a/L4/L4.pptx
+++ b/L4/L4.pptx
@@ -200,7 +200,7 @@
           <a:p>
             <a:fld id="{D4CB86DC-20C9-45AA-9C21-5865177CCC2D}" type="datetimeFigureOut">
               <a:rPr lang="zh-TW" altLang="en-US" smtClean="0"/>
-              <a:t>2020/4/22</a:t>
+              <a:t>2020/4/23</a:t>
             </a:fld>
             <a:endParaRPr lang="zh-TW" altLang="en-US"/>
           </a:p>
@@ -662,7 +662,7 @@
           <a:p>
             <a:fld id="{5BBEAD13-0566-4C6C-97E7-55F17F24B09F}" type="datetimeFigureOut">
               <a:rPr lang="zh-TW" altLang="en-US" smtClean="0"/>
-              <a:t>2020/4/22</a:t>
+              <a:t>2020/4/23</a:t>
             </a:fld>
             <a:endParaRPr lang="zh-TW" altLang="en-US"/>
           </a:p>
@@ -827,7 +827,7 @@
           <a:p>
             <a:fld id="{5BBEAD13-0566-4C6C-97E7-55F17F24B09F}" type="datetimeFigureOut">
               <a:rPr lang="zh-TW" altLang="en-US" smtClean="0"/>
-              <a:t>2020/4/22</a:t>
+              <a:t>2020/4/23</a:t>
             </a:fld>
             <a:endParaRPr lang="zh-TW" altLang="en-US"/>
           </a:p>
@@ -1002,7 +1002,7 @@
           <a:p>
             <a:fld id="{5BBEAD13-0566-4C6C-97E7-55F17F24B09F}" type="datetimeFigureOut">
               <a:rPr lang="zh-TW" altLang="en-US" smtClean="0"/>
-              <a:t>2020/4/22</a:t>
+              <a:t>2020/4/23</a:t>
             </a:fld>
             <a:endParaRPr lang="zh-TW" altLang="en-US"/>
           </a:p>
@@ -1167,7 +1167,7 @@
           <a:p>
             <a:fld id="{5BBEAD13-0566-4C6C-97E7-55F17F24B09F}" type="datetimeFigureOut">
               <a:rPr lang="zh-TW" altLang="en-US" smtClean="0"/>
-              <a:t>2020/4/22</a:t>
+              <a:t>2020/4/23</a:t>
             </a:fld>
             <a:endParaRPr lang="zh-TW" altLang="en-US"/>
           </a:p>
@@ -1408,7 +1408,7 @@
           <a:p>
             <a:fld id="{5BBEAD13-0566-4C6C-97E7-55F17F24B09F}" type="datetimeFigureOut">
               <a:rPr lang="zh-TW" altLang="en-US" smtClean="0"/>
-              <a:t>2020/4/22</a:t>
+              <a:t>2020/4/23</a:t>
             </a:fld>
             <a:endParaRPr lang="zh-TW" altLang="en-US"/>
           </a:p>
@@ -1691,7 +1691,7 @@
           <a:p>
             <a:fld id="{5BBEAD13-0566-4C6C-97E7-55F17F24B09F}" type="datetimeFigureOut">
               <a:rPr lang="zh-TW" altLang="en-US" smtClean="0"/>
-              <a:t>2020/4/22</a:t>
+              <a:t>2020/4/23</a:t>
             </a:fld>
             <a:endParaRPr lang="zh-TW" altLang="en-US"/>
           </a:p>
@@ -2120,7 +2120,7 @@
           <a:p>
             <a:fld id="{5BBEAD13-0566-4C6C-97E7-55F17F24B09F}" type="datetimeFigureOut">
               <a:rPr lang="zh-TW" altLang="en-US" smtClean="0"/>
-              <a:t>2020/4/22</a:t>
+              <a:t>2020/4/23</a:t>
             </a:fld>
             <a:endParaRPr lang="zh-TW" altLang="en-US"/>
           </a:p>
@@ -2233,7 +2233,7 @@
           <a:p>
             <a:fld id="{5BBEAD13-0566-4C6C-97E7-55F17F24B09F}" type="datetimeFigureOut">
               <a:rPr lang="zh-TW" altLang="en-US" smtClean="0"/>
-              <a:t>2020/4/22</a:t>
+              <a:t>2020/4/23</a:t>
             </a:fld>
             <a:endParaRPr lang="zh-TW" altLang="en-US"/>
           </a:p>
@@ -2323,7 +2323,7 @@
           <a:p>
             <a:fld id="{5BBEAD13-0566-4C6C-97E7-55F17F24B09F}" type="datetimeFigureOut">
               <a:rPr lang="zh-TW" altLang="en-US" smtClean="0"/>
-              <a:t>2020/4/22</a:t>
+              <a:t>2020/4/23</a:t>
             </a:fld>
             <a:endParaRPr lang="zh-TW" altLang="en-US"/>
           </a:p>
@@ -2512,7 +2512,7 @@
           <a:p>
             <a:fld id="{5BBEAD13-0566-4C6C-97E7-55F17F24B09F}" type="datetimeFigureOut">
               <a:rPr lang="zh-TW" altLang="en-US" smtClean="0"/>
-              <a:t>2020/4/22</a:t>
+              <a:t>2020/4/23</a:t>
             </a:fld>
             <a:endParaRPr lang="zh-TW" altLang="en-US"/>
           </a:p>
@@ -2830,7 +2830,7 @@
           <a:p>
             <a:fld id="{5BBEAD13-0566-4C6C-97E7-55F17F24B09F}" type="datetimeFigureOut">
               <a:rPr lang="zh-TW" altLang="en-US" smtClean="0"/>
-              <a:t>2020/4/22</a:t>
+              <a:t>2020/4/23</a:t>
             </a:fld>
             <a:endParaRPr lang="zh-TW" altLang="en-US"/>
           </a:p>
@@ -3209,7 +3209,7 @@
           <a:p>
             <a:fld id="{5BBEAD13-0566-4C6C-97E7-55F17F24B09F}" type="datetimeFigureOut">
               <a:rPr lang="zh-TW" altLang="en-US" smtClean="0"/>
-              <a:t>2020/4/22</a:t>
+              <a:t>2020/4/23</a:t>
             </a:fld>
             <a:endParaRPr lang="zh-TW" altLang="en-US"/>
           </a:p>
@@ -3715,25 +3715,11 @@
             </a:r>
             <a:r>
               <a:rPr lang="zh-TW" altLang="en-US" dirty="0"/>
-              <a:t> 初探：文字辨視、分類問題</a:t>
-            </a:r>
-          </a:p>
-          <a:p>
-            <a:r>
-              <a:rPr lang="zh-TW" altLang="en-US" dirty="0"/>
-              <a:t>    </a:t>
-            </a:r>
-            <a:r>
-              <a:rPr lang="en-US" altLang="zh-TW" dirty="0"/>
-              <a:t>-</a:t>
-            </a:r>
-            <a:r>
-              <a:rPr lang="zh-TW" altLang="en-US" dirty="0"/>
-              <a:t> </a:t>
-            </a:r>
-            <a:r>
-              <a:rPr lang="en-US" altLang="zh-TW" dirty="0" err="1"/>
-              <a:t>Titalic</a:t>
+              <a:t> 初探：文字辨視、分類</a:t>
+            </a:r>
+            <a:r>
+              <a:rPr lang="zh-TW" altLang="en-US" dirty="0" smtClean="0"/>
+              <a:t>問題</a:t>
             </a:r>
             <a:endParaRPr lang="en-US" altLang="zh-TW" dirty="0"/>
           </a:p>
@@ -3832,7 +3818,11 @@
           </a:p>
           <a:p>
             <a:r>
-              <a:rPr lang="en-US" altLang="zh-TW" dirty="0" err="1"/>
+              <a:rPr lang="zh-TW" altLang="en-US" dirty="0" smtClean="0"/>
+              <a:t>可配合</a:t>
+            </a:r>
+            <a:r>
+              <a:rPr lang="en-US" altLang="zh-TW" dirty="0" err="1" smtClean="0"/>
               <a:t>TensorFlow</a:t>
             </a:r>
             <a:r>
@@ -4673,16 +4663,16 @@
           <a:lstStyle/>
           <a:p>
             <a:r>
-              <a:rPr lang="en-US" altLang="zh-TW" dirty="0" smtClean="0"/>
-              <a:t>MNIST: </a:t>
-            </a:r>
-            <a:r>
-              <a:rPr lang="en-US" altLang="zh-TW" dirty="0" err="1" smtClean="0"/>
-              <a:t>Keras</a:t>
+              <a:rPr lang="en-US" altLang="zh-TW" smtClean="0"/>
+              <a:t>MNIST</a:t>
+            </a:r>
+            <a:r>
+              <a:rPr lang="zh-TW" altLang="en-US" smtClean="0"/>
+              <a:t>資料</a:t>
             </a:r>
             <a:r>
               <a:rPr lang="zh-TW" altLang="en-US" dirty="0" smtClean="0"/>
-              <a:t>內建資料集</a:t>
+              <a:t>集</a:t>
             </a:r>
             <a:endParaRPr lang="en-US" altLang="zh-TW" dirty="0" smtClean="0"/>
           </a:p>
@@ -4693,25 +4683,13 @@
             </a:r>
             <a:r>
               <a:rPr lang="en-US" altLang="zh-TW" dirty="0" smtClean="0"/>
-              <a:t>hello </a:t>
-            </a:r>
-            <a:r>
-              <a:rPr lang="en-US" altLang="zh-TW" dirty="0" smtClean="0"/>
-              <a:t>world</a:t>
+              <a:t>hello world</a:t>
             </a:r>
           </a:p>
           <a:p>
             <a:r>
               <a:rPr lang="zh-TW" altLang="en-US" dirty="0" smtClean="0"/>
-              <a:t>親手建立</a:t>
-            </a:r>
-            <a:r>
-              <a:rPr lang="zh-TW" altLang="en-US" dirty="0" smtClean="0"/>
-              <a:t>模組</a:t>
-            </a:r>
-            <a:r>
-              <a:rPr lang="zh-TW" altLang="en-US" dirty="0" smtClean="0"/>
-              <a:t>，使用</a:t>
+              <a:t>親手建立模組，使用</a:t>
             </a:r>
             <a:r>
               <a:rPr lang="en-US" altLang="zh-TW" dirty="0" err="1" smtClean="0"/>
@@ -4805,11 +4783,7 @@
             </a:r>
             <a:r>
               <a:rPr lang="zh-TW" altLang="en-US" dirty="0" smtClean="0"/>
-              <a:t>資料</a:t>
-            </a:r>
-            <a:r>
-              <a:rPr lang="zh-TW" altLang="en-US" dirty="0" smtClean="0"/>
-              <a:t>集</a:t>
+              <a:t>資料集</a:t>
             </a:r>
             <a:endParaRPr lang="en-US" altLang="zh-TW" dirty="0" smtClean="0"/>
           </a:p>
@@ -4823,15 +4797,7 @@
           <a:p>
             <a:r>
               <a:rPr lang="zh-TW" altLang="en-US" dirty="0" smtClean="0"/>
-              <a:t>親手建立</a:t>
-            </a:r>
-            <a:r>
-              <a:rPr lang="zh-TW" altLang="en-US" dirty="0" smtClean="0"/>
-              <a:t>模組</a:t>
-            </a:r>
-            <a:r>
-              <a:rPr lang="zh-TW" altLang="en-US" dirty="0" smtClean="0"/>
-              <a:t>，使用</a:t>
+              <a:t>親手建立模組，使用</a:t>
             </a:r>
             <a:r>
               <a:rPr lang="en-US" altLang="zh-TW" dirty="0" err="1" smtClean="0"/>
